--- a/weekly_team_presentation/week2.pptx
+++ b/weekly_team_presentation/week2.pptx
@@ -5,10 +5,10 @@
     <p:sldMasterId id="2147483648" r:id="rId4"/>
   </p:sldMasterIdLst>
   <p:notesMasterIdLst>
-    <p:notesMasterId r:id="rId11"/>
+    <p:notesMasterId r:id="rId10"/>
   </p:notesMasterIdLst>
   <p:handoutMasterIdLst>
-    <p:handoutMasterId r:id="rId12"/>
+    <p:handoutMasterId r:id="rId11"/>
   </p:handoutMasterIdLst>
   <p:sldIdLst>
     <p:sldId id="256" r:id="rId5"/>
@@ -16,7 +16,6 @@
     <p:sldId id="258" r:id="rId7"/>
     <p:sldId id="262" r:id="rId8"/>
     <p:sldId id="265" r:id="rId9"/>
-    <p:sldId id="266" r:id="rId10"/>
   </p:sldIdLst>
   <p:sldSz cx="12192000" cy="6858000"/>
   <p:notesSz cx="6858000" cy="9144000"/>
@@ -220,7 +219,7 @@
           <a:p>
             <a:fld id="{B56F32FC-4BD9-442A-A8C6-51598C909FE3}" type="datetimeFigureOut">
               <a:rPr lang="en-US" smtClean="0"/>
-              <a:t>2/8/23</a:t>
+              <a:t>2/1/23</a:t>
             </a:fld>
             <a:endParaRPr lang="en-US" dirty="0"/>
           </a:p>
@@ -397,7 +396,7 @@
           <a:p>
             <a:fld id="{056371FA-A98D-41E8-93F4-09945841298A}" type="datetimeFigureOut">
               <a:rPr lang="en-US" smtClean="0"/>
-              <a:t>2/8/23</a:t>
+              <a:t>2/1/23</a:t>
             </a:fld>
             <a:endParaRPr lang="en-US" dirty="0"/>
           </a:p>
@@ -9689,7 +9688,7 @@
           <a:p>
             <a:r>
               <a:rPr lang="en-US" dirty="0"/>
-              <a:t>THE LIBRARIANS</a:t>
+              <a:t>PRESENTATION TITLE</a:t>
             </a:r>
           </a:p>
         </p:txBody>
@@ -9777,7 +9776,7 @@
         </p:nvSpPr>
         <p:spPr>
           <a:xfrm>
-            <a:off x="1362075" y="595194"/>
+            <a:off x="1362075" y="1671639"/>
             <a:ext cx="5111750" cy="1204912"/>
           </a:xfrm>
         </p:spPr>
@@ -9787,7 +9786,7 @@
           <a:p>
             <a:r>
               <a:rPr lang="en-US" dirty="0"/>
-              <a:t>Use Case</a:t>
+              <a:t>Job assignments</a:t>
             </a:r>
           </a:p>
         </p:txBody>
@@ -9810,93 +9809,35 @@
         </p:nvSpPr>
         <p:spPr>
           <a:xfrm>
-            <a:off x="1362075" y="1800105"/>
-            <a:ext cx="5111750" cy="4299753"/>
-          </a:xfrm>
-        </p:spPr>
-        <p:txBody>
-          <a:bodyPr>
-            <a:normAutofit/>
-          </a:bodyPr>
+            <a:off x="1362075" y="3660774"/>
+            <a:ext cx="5111750" cy="1525588"/>
+          </a:xfrm>
+        </p:spPr>
+        <p:txBody>
+          <a:bodyPr/>
           <a:lstStyle/>
           <a:p>
-            <a:pPr marL="342900" indent="-342900" algn="l">
-              <a:buFont typeface="+mj-lt"/>
-              <a:buAutoNum type="arabicPeriod"/>
-            </a:pPr>
-            <a:r>
-              <a:rPr lang="en-US" sz="1600" b="0" i="0" dirty="0">
-                <a:solidFill>
-                  <a:srgbClr val="374151"/>
-                </a:solidFill>
-                <a:effectLst/>
-                <a:latin typeface="Söhne"/>
-              </a:rPr>
-              <a:t>Parents visit the website and create an account by providing their personal information and a valid email address.</a:t>
-            </a:r>
-          </a:p>
-          <a:p>
-            <a:pPr marL="342900" indent="-342900" algn="l">
-              <a:buFont typeface="+mj-lt"/>
-              <a:buAutoNum type="arabicPeriod"/>
-            </a:pPr>
-            <a:r>
-              <a:rPr lang="en-US" sz="1600" b="0" i="0" dirty="0">
-                <a:solidFill>
-                  <a:srgbClr val="374151"/>
-                </a:solidFill>
-                <a:effectLst/>
-                <a:latin typeface="Söhne"/>
-              </a:rPr>
-              <a:t>Once logged in, parents are directed to the form for creating a custom kid's story book.</a:t>
-            </a:r>
-          </a:p>
-          <a:p>
-            <a:pPr marL="342900" indent="-342900" algn="l">
-              <a:buFont typeface="+mj-lt"/>
-              <a:buAutoNum type="arabicPeriod"/>
-            </a:pPr>
-            <a:r>
-              <a:rPr lang="en-US" sz="1600" b="0" i="0" dirty="0">
-                <a:solidFill>
-                  <a:srgbClr val="374151"/>
-                </a:solidFill>
-                <a:effectLst/>
-                <a:latin typeface="Söhne"/>
-              </a:rPr>
-              <a:t>In the form, the parent is prompted to enter their child's name and choose a theme for the story.</a:t>
-            </a:r>
-          </a:p>
-          <a:p>
-            <a:pPr marL="342900" indent="-342900" algn="l">
-              <a:buFont typeface="+mj-lt"/>
-              <a:buAutoNum type="arabicPeriod"/>
-            </a:pPr>
-            <a:r>
-              <a:rPr lang="en-US" sz="1600" b="0" i="0" dirty="0">
-                <a:solidFill>
-                  <a:srgbClr val="374151"/>
-                </a:solidFill>
-                <a:effectLst/>
-                <a:latin typeface="Söhne"/>
-              </a:rPr>
-              <a:t>After entering the information, the parent is shown a preview of the custom story book before purchasing.</a:t>
-            </a:r>
-          </a:p>
-          <a:p>
-            <a:pPr marL="342900" indent="-342900" algn="l">
-              <a:buFont typeface="+mj-lt"/>
-              <a:buAutoNum type="arabicPeriod"/>
-            </a:pPr>
-            <a:r>
-              <a:rPr lang="en-US" sz="1600" b="0" i="0" dirty="0">
-                <a:solidFill>
-                  <a:srgbClr val="374151"/>
-                </a:solidFill>
-                <a:effectLst/>
-                <a:latin typeface="Söhne"/>
-              </a:rPr>
-              <a:t>Upon purchasing the story book, the parent can either choose to have the physical copy delivered or download an electronic version.</a:t>
+            <a:r>
+              <a:rPr lang="en-US" dirty="0"/>
+              <a:t>Nicholas – Front End</a:t>
+            </a:r>
+          </a:p>
+          <a:p>
+            <a:r>
+              <a:rPr lang="en-US" dirty="0"/>
+              <a:t>Kyle – Database and APIs</a:t>
+            </a:r>
+          </a:p>
+          <a:p>
+            <a:r>
+              <a:rPr lang="en-US" dirty="0"/>
+              <a:t>Dexter – Backend</a:t>
+            </a:r>
+          </a:p>
+          <a:p>
+            <a:r>
+              <a:rPr lang="en-US" dirty="0"/>
+              <a:t>Kevin – Requirements, Use Cases, Integrations</a:t>
             </a:r>
           </a:p>
         </p:txBody>
@@ -9929,7 +9870,7 @@
           <a:p>
             <a:r>
               <a:rPr lang="en-US" dirty="0"/>
-              <a:t>THE LIBRARIANS</a:t>
+              <a:t>PRESENTATION TITLE</a:t>
             </a:r>
           </a:p>
         </p:txBody>
@@ -10017,8 +9958,8 @@
         </p:nvSpPr>
         <p:spPr>
           <a:xfrm>
-            <a:off x="6574661" y="69449"/>
-            <a:ext cx="4179570" cy="856526"/>
+            <a:off x="6991350" y="678857"/>
+            <a:ext cx="4179570" cy="1715531"/>
           </a:xfrm>
         </p:spPr>
         <p:txBody>
@@ -10027,7 +9968,7 @@
           <a:p>
             <a:r>
               <a:rPr lang="en-US" dirty="0"/>
-              <a:t>User manual</a:t>
+              <a:t>Milestones</a:t>
             </a:r>
           </a:p>
         </p:txBody>
@@ -10050,293 +9991,80 @@
         </p:nvSpPr>
         <p:spPr>
           <a:xfrm>
-            <a:off x="6609147" y="987311"/>
-            <a:ext cx="4642798" cy="5621832"/>
-          </a:xfrm>
-        </p:spPr>
-        <p:txBody>
-          <a:bodyPr>
-            <a:normAutofit fontScale="70000" lnSpcReduction="20000"/>
-          </a:bodyPr>
+            <a:off x="6991350" y="2492020"/>
+            <a:ext cx="4179570" cy="2670291"/>
+          </a:xfrm>
+        </p:spPr>
+        <p:txBody>
+          <a:bodyPr/>
           <a:lstStyle/>
           <a:p>
-            <a:pPr algn="l"/>
-            <a:r>
-              <a:rPr lang="en-US" sz="1900" b="1" i="0" dirty="0">
-                <a:effectLst/>
-                <a:latin typeface="Söhne"/>
-              </a:rPr>
-              <a:t>1.      Creating an Account:</a:t>
-            </a:r>
-          </a:p>
-          <a:p>
-            <a:pPr marL="285750" indent="-285750" algn="l">
-              <a:buFont typeface="Arial" panose="020B0604020202020204" pitchFamily="34" charset="0"/>
-              <a:buChar char="•"/>
+            <a:pPr marL="342900" indent="-342900">
+              <a:buAutoNum type="arabicPeriod"/>
             </a:pPr>
             <a:r>
-              <a:rPr lang="en-US" b="0" i="0" dirty="0">
-                <a:effectLst/>
-                <a:latin typeface="Söhne"/>
-              </a:rPr>
-              <a:t>Go to the website's home page and click on "Sign Up".</a:t>
-            </a:r>
-          </a:p>
-          <a:p>
-            <a:pPr marL="285750" indent="-285750" algn="l">
-              <a:buFont typeface="Arial" panose="020B0604020202020204" pitchFamily="34" charset="0"/>
-              <a:buChar char="•"/>
+              <a:rPr lang="en-US" dirty="0"/>
+              <a:t>Pick tech stack – Python, HTML, CSS, JS, SQLITE</a:t>
+            </a:r>
+          </a:p>
+          <a:p>
+            <a:pPr marL="342900" indent="-342900">
+              <a:buAutoNum type="arabicPeriod"/>
             </a:pPr>
             <a:r>
-              <a:rPr lang="en-US" b="0" i="0" dirty="0">
-                <a:effectLst/>
-                <a:latin typeface="Söhne"/>
-              </a:rPr>
-              <a:t>Fill in the required fields such as name, email address, and password.</a:t>
-            </a:r>
-          </a:p>
-          <a:p>
-            <a:pPr marL="285750" indent="-285750" algn="l">
-              <a:buFont typeface="Arial" panose="020B0604020202020204" pitchFamily="34" charset="0"/>
-              <a:buChar char="•"/>
+              <a:rPr lang="en-US" dirty="0"/>
+              <a:t>Setup GitHub repo</a:t>
+            </a:r>
+          </a:p>
+          <a:p>
+            <a:pPr marL="342900" indent="-342900">
+              <a:buAutoNum type="arabicPeriod"/>
             </a:pPr>
             <a:r>
-              <a:rPr lang="en-US" b="0" i="0" dirty="0">
-                <a:effectLst/>
-                <a:latin typeface="Söhne"/>
-              </a:rPr>
-              <a:t>Click on "Submit" to create your account.</a:t>
-            </a:r>
-          </a:p>
-          <a:p>
-            <a:pPr algn="l">
-              <a:buFont typeface="+mj-lt"/>
-              <a:buAutoNum type="arabicPeriod" startAt="2"/>
+              <a:rPr lang="en-US" dirty="0"/>
+              <a:t>Implement Front End</a:t>
+            </a:r>
+          </a:p>
+          <a:p>
+            <a:pPr marL="342900" indent="-342900">
+              <a:buAutoNum type="arabicPeriod"/>
             </a:pPr>
             <a:r>
-              <a:rPr lang="en-US" sz="1900" b="1" i="0" dirty="0">
-                <a:effectLst/>
-                <a:latin typeface="Söhne"/>
-              </a:rPr>
-              <a:t>      Logging in:</a:t>
-            </a:r>
-          </a:p>
-          <a:p>
-            <a:pPr marL="285750" indent="-285750" algn="l">
-              <a:buFont typeface="Arial" panose="020B0604020202020204" pitchFamily="34" charset="0"/>
-              <a:buChar char="•"/>
+              <a:rPr lang="en-US" dirty="0"/>
+              <a:t>Setup API Calls</a:t>
+            </a:r>
+          </a:p>
+          <a:p>
+            <a:pPr marL="342900" indent="-342900">
+              <a:buAutoNum type="arabicPeriod"/>
             </a:pPr>
             <a:r>
-              <a:rPr lang="en-US" b="0" i="0" dirty="0">
-                <a:effectLst/>
-                <a:latin typeface="Söhne"/>
-              </a:rPr>
-              <a:t>Go to the website's home page and click on "Login".</a:t>
-            </a:r>
-          </a:p>
-          <a:p>
-            <a:pPr marL="285750" indent="-285750" algn="l">
-              <a:buFont typeface="Arial" panose="020B0604020202020204" pitchFamily="34" charset="0"/>
-              <a:buChar char="•"/>
+              <a:rPr lang="en-US" dirty="0"/>
+              <a:t>Save to Database</a:t>
+            </a:r>
+          </a:p>
+          <a:p>
+            <a:pPr marL="342900" indent="-342900">
+              <a:buAutoNum type="arabicPeriod"/>
             </a:pPr>
             <a:r>
-              <a:rPr lang="en-US" b="0" i="0" dirty="0">
-                <a:effectLst/>
-                <a:latin typeface="Söhne"/>
-              </a:rPr>
-              <a:t>Enter your email address and password.</a:t>
-            </a:r>
-          </a:p>
-          <a:p>
-            <a:pPr marL="285750" indent="-285750" algn="l">
-              <a:buFont typeface="Arial" panose="020B0604020202020204" pitchFamily="34" charset="0"/>
-              <a:buChar char="•"/>
+              <a:rPr lang="en-US" dirty="0"/>
+              <a:t>Add Use Cases</a:t>
+            </a:r>
+          </a:p>
+          <a:p>
+            <a:pPr marL="342900" indent="-342900">
+              <a:buAutoNum type="arabicPeriod"/>
             </a:pPr>
             <a:r>
-              <a:rPr lang="en-US" b="0" i="0" dirty="0">
-                <a:effectLst/>
-                <a:latin typeface="Söhne"/>
-              </a:rPr>
-              <a:t>Click on "Submit" to log in to your account.</a:t>
-            </a:r>
-          </a:p>
-          <a:p>
-            <a:r>
-              <a:rPr lang="en-US" sz="1900" b="1" dirty="0">
-                <a:latin typeface="Söhne"/>
-              </a:rPr>
-              <a:t>3.      </a:t>
-            </a:r>
-            <a:r>
-              <a:rPr lang="en-US" sz="1900" b="1" i="0" dirty="0">
-                <a:effectLst/>
-                <a:latin typeface="Söhne"/>
-              </a:rPr>
-              <a:t>Creating a Custom Story Book</a:t>
-            </a:r>
-          </a:p>
-          <a:p>
-            <a:pPr marL="285750" indent="-285750">
-              <a:buFont typeface="Arial" panose="020B0604020202020204" pitchFamily="34" charset="0"/>
-              <a:buChar char="•"/>
+              <a:rPr lang="en-US" dirty="0"/>
+              <a:t>Sharing/Save Integrations</a:t>
+            </a:r>
+          </a:p>
+          <a:p>
+            <a:pPr marL="342900" indent="-342900">
+              <a:buAutoNum type="arabicPeriod"/>
             </a:pPr>
-            <a:r>
-              <a:rPr lang="en-US" dirty="0">
-                <a:effectLst/>
-              </a:rPr>
-              <a:t>Once logged in, navigate to the form for creating a custom story book.</a:t>
-            </a:r>
-          </a:p>
-          <a:p>
-            <a:pPr marL="285750" indent="-285750">
-              <a:buFont typeface="Arial" panose="020B0604020202020204" pitchFamily="34" charset="0"/>
-              <a:buChar char="•"/>
-            </a:pPr>
-            <a:r>
-              <a:rPr lang="en-US" dirty="0">
-                <a:effectLst/>
-              </a:rPr>
-              <a:t>Enter your child's name and choose a theme for the story.</a:t>
-            </a:r>
-          </a:p>
-          <a:p>
-            <a:pPr marL="285750" indent="-285750">
-              <a:buFont typeface="Arial" panose="020B0604020202020204" pitchFamily="34" charset="0"/>
-              <a:buChar char="•"/>
-            </a:pPr>
-            <a:r>
-              <a:rPr lang="en-US" dirty="0">
-                <a:effectLst/>
-              </a:rPr>
-              <a:t>Preview the story and make any necessary changes before purchasing.</a:t>
-            </a:r>
-          </a:p>
-          <a:p>
-            <a:pPr>
-              <a:buFont typeface="+mj-lt"/>
-              <a:buAutoNum type="arabicPeriod" startAt="4"/>
-            </a:pPr>
-            <a:r>
-              <a:rPr lang="en-US" sz="1900" b="1" dirty="0">
-                <a:effectLst/>
-              </a:rPr>
-              <a:t>     Purchasing the Story Book:</a:t>
-            </a:r>
-          </a:p>
-          <a:p>
-            <a:pPr marL="285750" indent="-285750">
-              <a:buFont typeface="Arial" panose="020B0604020202020204" pitchFamily="34" charset="0"/>
-              <a:buChar char="•"/>
-            </a:pPr>
-            <a:r>
-              <a:rPr lang="en-US" dirty="0">
-                <a:effectLst/>
-              </a:rPr>
-              <a:t>After previewing the custom story book, click on the "Purchase" button.</a:t>
-            </a:r>
-          </a:p>
-          <a:p>
-            <a:pPr marL="285750" indent="-285750">
-              <a:buFont typeface="Arial" panose="020B0604020202020204" pitchFamily="34" charset="0"/>
-              <a:buChar char="•"/>
-            </a:pPr>
-            <a:r>
-              <a:rPr lang="en-US" dirty="0">
-                <a:effectLst/>
-              </a:rPr>
-              <a:t>Choose between a physical copy or electronic version.</a:t>
-            </a:r>
-          </a:p>
-          <a:p>
-            <a:pPr marL="285750" indent="-285750">
-              <a:buFont typeface="Arial" panose="020B0604020202020204" pitchFamily="34" charset="0"/>
-              <a:buChar char="•"/>
-            </a:pPr>
-            <a:r>
-              <a:rPr lang="en-US" dirty="0">
-                <a:effectLst/>
-              </a:rPr>
-              <a:t>Follow the prompt to complete the purchase and receive the story book.</a:t>
-            </a:r>
-          </a:p>
-          <a:p>
-            <a:pPr>
-              <a:buFont typeface="+mj-lt"/>
-              <a:buAutoNum type="arabicPeriod" startAt="5"/>
-            </a:pPr>
-            <a:r>
-              <a:rPr lang="en-US" sz="1900" b="1" dirty="0">
-                <a:effectLst/>
-              </a:rPr>
-              <a:t>      Downloading the Electronic Version:</a:t>
-            </a:r>
-          </a:p>
-          <a:p>
-            <a:pPr marL="285750" indent="-285750">
-              <a:buFont typeface="Arial" panose="020B0604020202020204" pitchFamily="34" charset="0"/>
-              <a:buChar char="•"/>
-            </a:pPr>
-            <a:r>
-              <a:rPr lang="en-US" dirty="0">
-                <a:effectLst/>
-              </a:rPr>
-              <a:t>Log in to your account and go to your purchase history.</a:t>
-            </a:r>
-          </a:p>
-          <a:p>
-            <a:pPr marL="285750" indent="-285750">
-              <a:buFont typeface="Arial" panose="020B0604020202020204" pitchFamily="34" charset="0"/>
-              <a:buChar char="•"/>
-            </a:pPr>
-            <a:r>
-              <a:rPr lang="en-US" dirty="0">
-                <a:effectLst/>
-              </a:rPr>
-              <a:t>Find the electronic version of the story book and click on the "Download" button.</a:t>
-            </a:r>
-          </a:p>
-          <a:p>
-            <a:pPr marL="285750" indent="-285750">
-              <a:buFont typeface="Arial" panose="020B0604020202020204" pitchFamily="34" charset="0"/>
-              <a:buChar char="•"/>
-            </a:pPr>
-            <a:r>
-              <a:rPr lang="en-US" dirty="0">
-                <a:effectLst/>
-              </a:rPr>
-              <a:t>Follow the prompt to download and save the file to your device.</a:t>
-            </a:r>
-          </a:p>
-        </p:txBody>
-      </p:sp>
-      <p:sp>
-        <p:nvSpPr>
-          <p:cNvPr id="4" name="TextBox 3">
-            <a:extLst>
-              <a:ext uri="{FF2B5EF4-FFF2-40B4-BE49-F238E27FC236}">
-                <a16:creationId xmlns:a16="http://schemas.microsoft.com/office/drawing/2014/main" id="{1017AE4E-06CC-A970-5518-96B6E66F01F4}"/>
-              </a:ext>
-            </a:extLst>
-          </p:cNvPr>
-          <p:cNvSpPr txBox="1"/>
-          <p:nvPr/>
-        </p:nvSpPr>
-        <p:spPr>
-          <a:xfrm>
-            <a:off x="4201610" y="4062714"/>
-            <a:ext cx="184731" cy="369332"/>
-          </a:xfrm>
-          <a:prstGeom prst="rect">
-            <a:avLst/>
-          </a:prstGeom>
-          <a:noFill/>
-        </p:spPr>
-        <p:txBody>
-          <a:bodyPr wrap="none" rtlCol="0">
-            <a:spAutoFit/>
-          </a:bodyPr>
-          <a:lstStyle/>
-          <a:p>
             <a:endParaRPr lang="en-US" dirty="0"/>
           </a:p>
         </p:txBody>
@@ -10399,7 +10127,7 @@
           <a:p>
             <a:r>
               <a:rPr lang="en-US" dirty="0"/>
-              <a:t>Project plan</a:t>
+              <a:t>Where we are</a:t>
             </a:r>
           </a:p>
         </p:txBody>
@@ -10432,7 +10160,7 @@
           <a:p>
             <a:r>
               <a:rPr lang="en-US" dirty="0"/>
-              <a:t>THE LIBRARIANS</a:t>
+              <a:t>PRESENTATION TITLE</a:t>
             </a:r>
           </a:p>
         </p:txBody>
@@ -10487,7 +10215,7 @@
         <p:spPr>
           <a:xfrm>
             <a:off x="5495925" y="1725584"/>
-            <a:ext cx="6099858" cy="1200329"/>
+            <a:ext cx="6099858" cy="2031325"/>
           </a:xfrm>
           <a:prstGeom prst="rect">
             <a:avLst/>
@@ -10500,71 +10228,130 @@
           </a:bodyPr>
           <a:lstStyle/>
           <a:p>
+            <a:pPr marL="342900" indent="-342900">
+              <a:buAutoNum type="arabicPeriod"/>
+            </a:pPr>
+            <a:r>
+              <a:rPr lang="en-US" strike="sngStrike" dirty="0"/>
+              <a:t>Pick tech stack – Python, HTML, CSS, JS, SQLITE</a:t>
+            </a:r>
+          </a:p>
+          <a:p>
+            <a:pPr marL="342900" indent="-342900">
+              <a:buAutoNum type="arabicPeriod"/>
+            </a:pPr>
+            <a:r>
+              <a:rPr lang="en-US" strike="sngStrike" dirty="0"/>
+              <a:t>Setup GitHub repo</a:t>
+            </a:r>
+          </a:p>
+          <a:p>
+            <a:pPr marL="342900" indent="-342900">
+              <a:buAutoNum type="arabicPeriod"/>
+            </a:pPr>
             <a:r>
               <a:rPr lang="en-US" dirty="0"/>
-              <a:t>Front End – Nicolas: </a:t>
-            </a:r>
-          </a:p>
-          <a:p>
-            <a:pPr marL="800100" lvl="1" indent="-342900">
-              <a:buFont typeface="Arial" panose="020B0604020202020204" pitchFamily="34" charset="0"/>
-              <a:buChar char="•"/>
+              <a:t>Implement Front End</a:t>
+            </a:r>
+          </a:p>
+          <a:p>
+            <a:pPr marL="342900" indent="-342900">
+              <a:buAutoNum type="arabicPeriod"/>
             </a:pPr>
             <a:r>
               <a:rPr lang="en-US" dirty="0"/>
-              <a:t>Build out: </a:t>
-            </a:r>
-            <a:r>
-              <a:rPr lang="en-US" dirty="0" err="1"/>
-              <a:t>home.html</a:t>
-            </a:r>
+              <a:t>Setup API Calls</a:t>
+            </a:r>
+          </a:p>
+          <a:p>
+            <a:pPr marL="342900" indent="-342900">
+              <a:buAutoNum type="arabicPeriod"/>
+            </a:pPr>
             <a:r>
               <a:rPr lang="en-US" dirty="0"/>
-              <a:t>, </a:t>
-            </a:r>
-            <a:r>
-              <a:rPr lang="en-US" dirty="0" err="1"/>
-              <a:t>about.html</a:t>
-            </a:r>
+              <a:t>Save to Database</a:t>
+            </a:r>
+          </a:p>
+          <a:p>
+            <a:pPr marL="342900" indent="-342900">
+              <a:buAutoNum type="arabicPeriod"/>
+            </a:pPr>
             <a:r>
               <a:rPr lang="en-US" dirty="0"/>
-              <a:t>, </a:t>
-            </a:r>
-            <a:r>
-              <a:rPr lang="en-US" dirty="0" err="1"/>
-              <a:t>book.html</a:t>
-            </a:r>
+              <a:t>Add Use Cases</a:t>
+            </a:r>
+          </a:p>
+          <a:p>
+            <a:pPr marL="342900" indent="-342900">
+              <a:buAutoNum type="arabicPeriod"/>
+            </a:pPr>
             <a:r>
               <a:rPr lang="en-US" dirty="0"/>
-              <a:t>, </a:t>
-            </a:r>
-            <a:r>
-              <a:rPr lang="en-US" dirty="0" err="1"/>
-              <a:t>form.html</a:t>
-            </a:r>
+              <a:t>Sharing/Save Integrations</a:t>
+            </a:r>
+          </a:p>
+        </p:txBody>
+      </p:sp>
+      <p:sp>
+        <p:nvSpPr>
+          <p:cNvPr id="12" name="Title 1">
+            <a:extLst>
+              <a:ext uri="{FF2B5EF4-FFF2-40B4-BE49-F238E27FC236}">
+                <a16:creationId xmlns:a16="http://schemas.microsoft.com/office/drawing/2014/main" id="{CE7180A5-87C3-C033-E043-1861E8A90494}"/>
+              </a:ext>
+            </a:extLst>
+          </p:cNvPr>
+          <p:cNvSpPr txBox="1">
+            <a:spLocks/>
+          </p:cNvSpPr>
+          <p:nvPr/>
+        </p:nvSpPr>
+        <p:spPr>
+          <a:xfrm>
+            <a:off x="5495924" y="3756909"/>
+            <a:ext cx="6696075" cy="813000"/>
+          </a:xfrm>
+          <a:prstGeom prst="rect">
+            <a:avLst/>
+          </a:prstGeom>
+        </p:spPr>
+        <p:txBody>
+          <a:bodyPr vert="horz" lIns="91440" tIns="45720" rIns="91440" bIns="45720" rtlCol="0" anchor="b">
+            <a:normAutofit/>
+          </a:bodyPr>
+          <a:lstStyle>
+            <a:lvl1pPr algn="l" defTabSz="914400" rtl="0" eaLnBrk="1" latinLnBrk="0" hangingPunct="1">
+              <a:lnSpc>
+                <a:spcPct val="90000"/>
+              </a:lnSpc>
+              <a:spcBef>
+                <a:spcPct val="0"/>
+              </a:spcBef>
+              <a:buNone/>
+              <a:defRPr lang="en-US" sz="2800" kern="1200" cap="all" spc="150" baseline="0" dirty="0">
+                <a:solidFill>
+                  <a:schemeClr val="tx1"/>
+                </a:solidFill>
+                <a:latin typeface="+mj-lt"/>
+                <a:ea typeface="+mj-ea"/>
+                <a:cs typeface="+mj-cs"/>
+              </a:defRPr>
+            </a:lvl1pPr>
+          </a:lstStyle>
+          <a:p>
             <a:r>
               <a:rPr lang="en-US" dirty="0"/>
-              <a:t> </a:t>
-            </a:r>
-          </a:p>
-          <a:p>
-            <a:pPr marL="800100" lvl="1" indent="-342900">
-              <a:buFont typeface="Arial" panose="020B0604020202020204" pitchFamily="34" charset="0"/>
-              <a:buChar char="•"/>
-            </a:pPr>
-            <a:r>
-              <a:rPr lang="en-US" dirty="0"/>
-              <a:t>Use Bootstrap Framework</a:t>
-            </a:r>
-          </a:p>
-        </p:txBody>
-      </p:sp>
-      <p:sp>
-        <p:nvSpPr>
-          <p:cNvPr id="3" name="TextBox 2">
-            <a:extLst>
-              <a:ext uri="{FF2B5EF4-FFF2-40B4-BE49-F238E27FC236}">
-                <a16:creationId xmlns:a16="http://schemas.microsoft.com/office/drawing/2014/main" id="{BA6F2DDD-B4A3-CDA8-A549-88EC91A20A90}"/>
+              <a:t>Looking forward to</a:t>
+            </a:r>
+          </a:p>
+        </p:txBody>
+      </p:sp>
+      <p:sp>
+        <p:nvSpPr>
+          <p:cNvPr id="14" name="TextBox 13">
+            <a:extLst>
+              <a:ext uri="{FF2B5EF4-FFF2-40B4-BE49-F238E27FC236}">
+                <a16:creationId xmlns:a16="http://schemas.microsoft.com/office/drawing/2014/main" id="{956F2DDD-DDD5-7544-6DC6-BA38C322401F}"/>
               </a:ext>
             </a:extLst>
           </p:cNvPr>
@@ -10573,7 +10360,7 @@
         </p:nvSpPr>
         <p:spPr>
           <a:xfrm>
-            <a:off x="5495925" y="2961431"/>
+            <a:off x="5495925" y="4646640"/>
             <a:ext cx="6099858" cy="923330"/>
           </a:xfrm>
           <a:prstGeom prst="rect">
@@ -10587,157 +10374,33 @@
           </a:bodyPr>
           <a:lstStyle/>
           <a:p>
+            <a:pPr marL="342900" indent="-342900">
+              <a:buFont typeface="+mj-lt"/>
+              <a:buAutoNum type="arabicPeriod"/>
+            </a:pPr>
             <a:r>
               <a:rPr lang="en-US" dirty="0"/>
-              <a:t>DB/APIs – Kyle: </a:t>
-            </a:r>
-          </a:p>
-          <a:p>
-            <a:pPr marL="800100" lvl="1" indent="-342900">
-              <a:buFont typeface="Arial" panose="020B0604020202020204" pitchFamily="34" charset="0"/>
-              <a:buChar char="•"/>
+              <a:t>Adding to our GitHub </a:t>
+            </a:r>
+          </a:p>
+          <a:p>
+            <a:pPr marL="342900" indent="-342900">
+              <a:buFont typeface="+mj-lt"/>
+              <a:buAutoNum type="arabicPeriod"/>
             </a:pPr>
             <a:r>
               <a:rPr lang="en-US" dirty="0"/>
-              <a:t>Build out: </a:t>
-            </a:r>
-            <a:r>
-              <a:rPr lang="en-US" dirty="0" err="1"/>
-              <a:t>app.py</a:t>
-            </a:r>
+              <a:t>Building a great product</a:t>
+            </a:r>
+          </a:p>
+          <a:p>
+            <a:pPr marL="342900" indent="-342900">
+              <a:buFont typeface="+mj-lt"/>
+              <a:buAutoNum type="arabicPeriod"/>
+            </a:pPr>
             <a:r>
               <a:rPr lang="en-US" dirty="0"/>
-              <a:t>, API endpoints, </a:t>
-            </a:r>
-            <a:r>
-              <a:rPr lang="en-US" dirty="0" err="1"/>
-              <a:t>site.db</a:t>
-            </a:r>
-            <a:endParaRPr lang="en-US" dirty="0"/>
-          </a:p>
-          <a:p>
-            <a:pPr marL="800100" lvl="1" indent="-342900">
-              <a:buFont typeface="Arial" panose="020B0604020202020204" pitchFamily="34" charset="0"/>
-              <a:buChar char="•"/>
-            </a:pPr>
-            <a:r>
-              <a:rPr lang="en-US" dirty="0"/>
-              <a:t>Use Flask framework, </a:t>
-            </a:r>
-            <a:r>
-              <a:rPr lang="en-US" dirty="0" err="1"/>
-              <a:t>sqlite</a:t>
-            </a:r>
-            <a:endParaRPr lang="en-US" dirty="0"/>
-          </a:p>
-        </p:txBody>
-      </p:sp>
-      <p:sp>
-        <p:nvSpPr>
-          <p:cNvPr id="4" name="TextBox 3">
-            <a:extLst>
-              <a:ext uri="{FF2B5EF4-FFF2-40B4-BE49-F238E27FC236}">
-                <a16:creationId xmlns:a16="http://schemas.microsoft.com/office/drawing/2014/main" id="{F0250DE2-97B5-E806-6106-9D8315ECCDFF}"/>
-              </a:ext>
-            </a:extLst>
-          </p:cNvPr>
-          <p:cNvSpPr txBox="1"/>
-          <p:nvPr/>
-        </p:nvSpPr>
-        <p:spPr>
-          <a:xfrm>
-            <a:off x="5495925" y="3891819"/>
-            <a:ext cx="6099858" cy="923330"/>
-          </a:xfrm>
-          <a:prstGeom prst="rect">
-            <a:avLst/>
-          </a:prstGeom>
-          <a:noFill/>
-        </p:spPr>
-        <p:txBody>
-          <a:bodyPr wrap="square">
-            <a:spAutoFit/>
-          </a:bodyPr>
-          <a:lstStyle/>
-          <a:p>
-            <a:r>
-              <a:rPr lang="en-US" dirty="0"/>
-              <a:t>Backend – Dexter: </a:t>
-            </a:r>
-          </a:p>
-          <a:p>
-            <a:pPr marL="800100" lvl="1" indent="-342900">
-              <a:buFont typeface="Arial" panose="020B0604020202020204" pitchFamily="34" charset="0"/>
-              <a:buChar char="•"/>
-            </a:pPr>
-            <a:r>
-              <a:rPr lang="en-US" dirty="0"/>
-              <a:t>Optimize: Save Functions, routes, forms, models</a:t>
-            </a:r>
-          </a:p>
-          <a:p>
-            <a:pPr marL="800100" lvl="1" indent="-342900">
-              <a:buFont typeface="Arial" panose="020B0604020202020204" pitchFamily="34" charset="0"/>
-              <a:buChar char="•"/>
-            </a:pPr>
-            <a:r>
-              <a:rPr lang="en-US" dirty="0"/>
-              <a:t>Use Flask framework</a:t>
-            </a:r>
-          </a:p>
-        </p:txBody>
-      </p:sp>
-      <p:sp>
-        <p:nvSpPr>
-          <p:cNvPr id="7" name="TextBox 6">
-            <a:extLst>
-              <a:ext uri="{FF2B5EF4-FFF2-40B4-BE49-F238E27FC236}">
-                <a16:creationId xmlns:a16="http://schemas.microsoft.com/office/drawing/2014/main" id="{D888AB1D-FE33-B428-487B-2DA90D5DCBDF}"/>
-              </a:ext>
-            </a:extLst>
-          </p:cNvPr>
-          <p:cNvSpPr txBox="1"/>
-          <p:nvPr/>
-        </p:nvSpPr>
-        <p:spPr>
-          <a:xfrm>
-            <a:off x="5495925" y="4808091"/>
-            <a:ext cx="6099858" cy="923330"/>
-          </a:xfrm>
-          <a:prstGeom prst="rect">
-            <a:avLst/>
-          </a:prstGeom>
-          <a:noFill/>
-        </p:spPr>
-        <p:txBody>
-          <a:bodyPr wrap="square">
-            <a:spAutoFit/>
-          </a:bodyPr>
-          <a:lstStyle/>
-          <a:p>
-            <a:r>
-              <a:rPr lang="en-US" dirty="0"/>
-              <a:t>Integrations – Kevin: </a:t>
-            </a:r>
-          </a:p>
-          <a:p>
-            <a:pPr marL="800100" lvl="1" indent="-342900">
-              <a:buFont typeface="Arial" panose="020B0604020202020204" pitchFamily="34" charset="0"/>
-              <a:buChar char="•"/>
-            </a:pPr>
-            <a:r>
-              <a:rPr lang="en-US" dirty="0"/>
-              <a:t>Build Out: Social Sharing, PDF Art Integration</a:t>
-            </a:r>
-          </a:p>
-          <a:p>
-            <a:pPr marL="800100" lvl="1" indent="-342900">
-              <a:buFont typeface="Arial" panose="020B0604020202020204" pitchFamily="34" charset="0"/>
-              <a:buChar char="•"/>
-            </a:pPr>
-            <a:r>
-              <a:rPr lang="en-US" dirty="0"/>
-              <a:t>Use Flask framework</a:t>
+              <a:t>Teamwork</a:t>
             </a:r>
           </a:p>
         </p:txBody>
@@ -10746,550 +10409,6 @@
     <p:extLst>
       <p:ext uri="{BB962C8B-B14F-4D97-AF65-F5344CB8AC3E}">
         <p14:creationId xmlns:p14="http://schemas.microsoft.com/office/powerpoint/2010/main" val="744379741"/>
-      </p:ext>
-    </p:extLst>
-  </p:cSld>
-  <p:clrMapOvr>
-    <a:masterClrMapping/>
-  </p:clrMapOvr>
-</p:sld>
-</file>
-
-<file path=ppt/slides/slide6.xml><?xml version="1.0" encoding="utf-8"?>
-<p:sld xmlns:a="http://schemas.openxmlformats.org/drawingml/2006/main" xmlns:r="http://schemas.openxmlformats.org/officeDocument/2006/relationships" xmlns:p="http://schemas.openxmlformats.org/presentationml/2006/main">
-  <p:cSld>
-    <p:bg>
-      <p:bgPr>
-        <a:solidFill>
-          <a:schemeClr val="bg1"/>
-        </a:solidFill>
-        <a:effectLst/>
-      </p:bgPr>
-    </p:bg>
-    <p:spTree>
-      <p:nvGrpSpPr>
-        <p:cNvPr id="1" name=""/>
-        <p:cNvGrpSpPr/>
-        <p:nvPr/>
-      </p:nvGrpSpPr>
-      <p:grpSpPr>
-        <a:xfrm>
-          <a:off x="0" y="0"/>
-          <a:ext cx="0" cy="0"/>
-          <a:chOff x="0" y="0"/>
-          <a:chExt cx="0" cy="0"/>
-        </a:xfrm>
-      </p:grpSpPr>
-      <p:sp>
-        <p:nvSpPr>
-          <p:cNvPr id="14" name="Down Arrow 7">
-            <a:extLst>
-              <a:ext uri="{FF2B5EF4-FFF2-40B4-BE49-F238E27FC236}">
-                <a16:creationId xmlns:a16="http://schemas.microsoft.com/office/drawing/2014/main" id="{D4771268-CB57-404A-9271-370EB28F6090}"/>
-              </a:ext>
-              <a:ext uri="{C183D7F6-B498-43B3-948B-1728B52AA6E4}">
-                <adec:decorative xmlns:adec="http://schemas.microsoft.com/office/drawing/2017/decorative" val="1"/>
-              </a:ext>
-            </a:extLst>
-          </p:cNvPr>
-          <p:cNvSpPr>
-            <a:spLocks noGrp="1" noRot="1" noChangeAspect="1" noMove="1" noResize="1" noEditPoints="1" noAdjustHandles="1" noChangeArrowheads="1" noChangeShapeType="1" noTextEdit="1"/>
-          </p:cNvSpPr>
-          <p:nvPr>
-            <p:extLst>
-              <p:ext uri="{386F3935-93C4-4BCD-93E2-E3B085C9AB24}">
-                <p16:designElem xmlns:p16="http://schemas.microsoft.com/office/powerpoint/2015/main" val="1"/>
-              </p:ext>
-            </p:extLst>
-          </p:nvPr>
-        </p:nvSpPr>
-        <p:spPr>
-          <a:xfrm rot="16200000">
-            <a:off x="800100" y="1491343"/>
-            <a:ext cx="3333749" cy="3499103"/>
-          </a:xfrm>
-          <a:prstGeom prst="downArrow">
-            <a:avLst>
-              <a:gd name="adj1" fmla="val 100000"/>
-              <a:gd name="adj2" fmla="val 15788"/>
-            </a:avLst>
-          </a:prstGeom>
-          <a:solidFill>
-            <a:srgbClr val="404040"/>
-          </a:solidFill>
-          <a:ln w="53975">
-            <a:noFill/>
-          </a:ln>
-        </p:spPr>
-        <p:style>
-          <a:lnRef idx="2">
-            <a:schemeClr val="accent1">
-              <a:shade val="50000"/>
-            </a:schemeClr>
-          </a:lnRef>
-          <a:fillRef idx="1">
-            <a:schemeClr val="accent1"/>
-          </a:fillRef>
-          <a:effectRef idx="0">
-            <a:schemeClr val="accent1"/>
-          </a:effectRef>
-          <a:fontRef idx="minor">
-            <a:schemeClr val="lt1"/>
-          </a:fontRef>
-        </p:style>
-        <p:txBody>
-          <a:bodyPr rtlCol="0" anchor="ctr"/>
-          <a:lstStyle/>
-          <a:p>
-            <a:pPr algn="ctr"/>
-            <a:endParaRPr lang="en-US"/>
-          </a:p>
-        </p:txBody>
-      </p:sp>
-      <p:sp>
-        <p:nvSpPr>
-          <p:cNvPr id="9" name="TextBox 8">
-            <a:extLst>
-              <a:ext uri="{FF2B5EF4-FFF2-40B4-BE49-F238E27FC236}">
-                <a16:creationId xmlns:a16="http://schemas.microsoft.com/office/drawing/2014/main" id="{5C0BFBF4-6755-79B2-C36D-A3E8F0A2C7EC}"/>
-              </a:ext>
-            </a:extLst>
-          </p:cNvPr>
-          <p:cNvSpPr txBox="1"/>
-          <p:nvPr/>
-        </p:nvSpPr>
-        <p:spPr>
-          <a:xfrm>
-            <a:off x="5320798" y="642938"/>
-            <a:ext cx="6780213" cy="5827310"/>
-          </a:xfrm>
-          <a:prstGeom prst="rect">
-            <a:avLst/>
-          </a:prstGeom>
-          <a:noFill/>
-        </p:spPr>
-        <p:txBody>
-          <a:bodyPr wrap="square" anchor="t">
-            <a:normAutofit fontScale="92500" lnSpcReduction="10000"/>
-          </a:bodyPr>
-          <a:lstStyle/>
-          <a:p>
-            <a:pPr>
-              <a:lnSpc>
-                <a:spcPct val="90000"/>
-              </a:lnSpc>
-              <a:spcAft>
-                <a:spcPts val="600"/>
-              </a:spcAft>
-            </a:pPr>
-            <a:r>
-              <a:rPr lang="en-US" sz="2200" dirty="0"/>
-              <a:t>Front End – 	</a:t>
-            </a:r>
-          </a:p>
-          <a:p>
-            <a:pPr>
-              <a:lnSpc>
-                <a:spcPct val="90000"/>
-              </a:lnSpc>
-              <a:spcAft>
-                <a:spcPts val="600"/>
-              </a:spcAft>
-            </a:pPr>
-            <a:r>
-              <a:rPr lang="en-US" sz="2200" dirty="0"/>
-              <a:t>	February 19: 	</a:t>
-            </a:r>
-            <a:r>
-              <a:rPr lang="en-US" sz="2200" dirty="0" err="1"/>
-              <a:t>home.html</a:t>
-            </a:r>
-            <a:r>
-              <a:rPr lang="en-US" sz="2200" dirty="0"/>
-              <a:t>, </a:t>
-            </a:r>
-            <a:r>
-              <a:rPr lang="en-US" sz="2200" dirty="0" err="1"/>
-              <a:t>about.html</a:t>
-            </a:r>
-            <a:endParaRPr lang="en-US" sz="2200" dirty="0"/>
-          </a:p>
-          <a:p>
-            <a:pPr>
-              <a:lnSpc>
-                <a:spcPct val="90000"/>
-              </a:lnSpc>
-              <a:spcAft>
-                <a:spcPts val="600"/>
-              </a:spcAft>
-            </a:pPr>
-            <a:r>
-              <a:rPr lang="en-US" sz="2200" dirty="0"/>
-              <a:t>	March 5: 	</a:t>
-            </a:r>
-            <a:r>
-              <a:rPr lang="en-US" sz="2200" dirty="0" err="1"/>
-              <a:t>book.html</a:t>
-            </a:r>
-            <a:r>
-              <a:rPr lang="en-US" sz="2200" dirty="0"/>
-              <a:t>, </a:t>
-            </a:r>
-            <a:r>
-              <a:rPr lang="en-US" sz="2200" dirty="0" err="1"/>
-              <a:t>form.html</a:t>
-            </a:r>
-            <a:endParaRPr lang="en-US" sz="2200" dirty="0"/>
-          </a:p>
-          <a:p>
-            <a:pPr>
-              <a:lnSpc>
-                <a:spcPct val="90000"/>
-              </a:lnSpc>
-              <a:spcAft>
-                <a:spcPts val="600"/>
-              </a:spcAft>
-            </a:pPr>
-            <a:r>
-              <a:rPr lang="en-US" sz="2200" dirty="0"/>
-              <a:t>		</a:t>
-            </a:r>
-          </a:p>
-          <a:p>
-            <a:pPr>
-              <a:lnSpc>
-                <a:spcPct val="90000"/>
-              </a:lnSpc>
-              <a:spcAft>
-                <a:spcPts val="600"/>
-              </a:spcAft>
-            </a:pPr>
-            <a:r>
-              <a:rPr lang="en-US" sz="2200" dirty="0"/>
-              <a:t>DB - 	</a:t>
-            </a:r>
-          </a:p>
-          <a:p>
-            <a:pPr>
-              <a:lnSpc>
-                <a:spcPct val="90000"/>
-              </a:lnSpc>
-              <a:spcAft>
-                <a:spcPts val="600"/>
-              </a:spcAft>
-            </a:pPr>
-            <a:r>
-              <a:rPr lang="en-US" sz="2200" dirty="0"/>
-              <a:t>	March 19: 	create </a:t>
-            </a:r>
-            <a:r>
-              <a:rPr lang="en-US" sz="2200" dirty="0" err="1"/>
-              <a:t>site.db</a:t>
-            </a:r>
-            <a:endParaRPr lang="en-US" sz="2200" dirty="0"/>
-          </a:p>
-          <a:p>
-            <a:pPr>
-              <a:lnSpc>
-                <a:spcPct val="90000"/>
-              </a:lnSpc>
-              <a:spcAft>
-                <a:spcPts val="600"/>
-              </a:spcAft>
-            </a:pPr>
-            <a:r>
-              <a:rPr lang="en-US" sz="2200" dirty="0"/>
-              <a:t>APIs - 	</a:t>
-            </a:r>
-          </a:p>
-          <a:p>
-            <a:pPr>
-              <a:lnSpc>
-                <a:spcPct val="90000"/>
-              </a:lnSpc>
-              <a:spcAft>
-                <a:spcPts val="600"/>
-              </a:spcAft>
-            </a:pPr>
-            <a:r>
-              <a:rPr lang="en-US" sz="2200" dirty="0"/>
-              <a:t>	March 26: 	APIs</a:t>
-            </a:r>
-          </a:p>
-          <a:p>
-            <a:pPr>
-              <a:lnSpc>
-                <a:spcPct val="90000"/>
-              </a:lnSpc>
-              <a:spcAft>
-                <a:spcPts val="600"/>
-              </a:spcAft>
-            </a:pPr>
-            <a:endParaRPr lang="en-US" sz="2200" dirty="0"/>
-          </a:p>
-          <a:p>
-            <a:pPr>
-              <a:lnSpc>
-                <a:spcPct val="90000"/>
-              </a:lnSpc>
-              <a:spcAft>
-                <a:spcPts val="600"/>
-              </a:spcAft>
-            </a:pPr>
-            <a:r>
-              <a:rPr lang="en-US" sz="2200" dirty="0"/>
-              <a:t>Backend –</a:t>
-            </a:r>
-          </a:p>
-          <a:p>
-            <a:pPr>
-              <a:lnSpc>
-                <a:spcPct val="90000"/>
-              </a:lnSpc>
-              <a:spcAft>
-                <a:spcPts val="600"/>
-              </a:spcAft>
-            </a:pPr>
-            <a:r>
-              <a:rPr lang="en-US" sz="2200" dirty="0"/>
-              <a:t>	April 2: 	Backend Optimization</a:t>
-            </a:r>
-          </a:p>
-          <a:p>
-            <a:pPr>
-              <a:lnSpc>
-                <a:spcPct val="90000"/>
-              </a:lnSpc>
-              <a:spcAft>
-                <a:spcPts val="600"/>
-              </a:spcAft>
-            </a:pPr>
-            <a:endParaRPr lang="en-US" sz="2200" dirty="0"/>
-          </a:p>
-          <a:p>
-            <a:pPr>
-              <a:lnSpc>
-                <a:spcPct val="90000"/>
-              </a:lnSpc>
-              <a:spcAft>
-                <a:spcPts val="600"/>
-              </a:spcAft>
-            </a:pPr>
-            <a:r>
-              <a:rPr lang="en-US" sz="2200" dirty="0"/>
-              <a:t>Integrations:</a:t>
-            </a:r>
-          </a:p>
-          <a:p>
-            <a:pPr>
-              <a:lnSpc>
-                <a:spcPct val="90000"/>
-              </a:lnSpc>
-              <a:spcAft>
-                <a:spcPts val="600"/>
-              </a:spcAft>
-            </a:pPr>
-            <a:r>
-              <a:rPr lang="en-US" sz="2200" dirty="0"/>
-              <a:t>	April 10: 	Social Integrations</a:t>
-            </a:r>
-          </a:p>
-          <a:p>
-            <a:pPr>
-              <a:lnSpc>
-                <a:spcPct val="90000"/>
-              </a:lnSpc>
-              <a:spcAft>
-                <a:spcPts val="600"/>
-              </a:spcAft>
-            </a:pPr>
-            <a:endParaRPr lang="en-US" sz="2200" dirty="0"/>
-          </a:p>
-          <a:p>
-            <a:pPr>
-              <a:lnSpc>
-                <a:spcPct val="90000"/>
-              </a:lnSpc>
-              <a:spcAft>
-                <a:spcPts val="600"/>
-              </a:spcAft>
-            </a:pPr>
-            <a:r>
-              <a:rPr lang="en-US" sz="2200" dirty="0"/>
-              <a:t>Code Review:</a:t>
-            </a:r>
-          </a:p>
-          <a:p>
-            <a:pPr>
-              <a:lnSpc>
-                <a:spcPct val="90000"/>
-              </a:lnSpc>
-              <a:spcAft>
-                <a:spcPts val="600"/>
-              </a:spcAft>
-            </a:pPr>
-            <a:r>
-              <a:rPr lang="en-US" sz="2200" dirty="0"/>
-              <a:t>	April 15: 	Final Code Review</a:t>
-            </a:r>
-          </a:p>
-        </p:txBody>
-      </p:sp>
-      <p:sp>
-        <p:nvSpPr>
-          <p:cNvPr id="2" name="Title 1">
-            <a:extLst>
-              <a:ext uri="{FF2B5EF4-FFF2-40B4-BE49-F238E27FC236}">
-                <a16:creationId xmlns:a16="http://schemas.microsoft.com/office/drawing/2014/main" id="{D94A2CD4-732A-43E4-BCB9-CBA2055E0AC6}"/>
-              </a:ext>
-            </a:extLst>
-          </p:cNvPr>
-          <p:cNvSpPr>
-            <a:spLocks noGrp="1"/>
-          </p:cNvSpPr>
-          <p:nvPr>
-            <p:ph type="title"/>
-          </p:nvPr>
-        </p:nvSpPr>
-        <p:spPr>
-          <a:xfrm>
-            <a:off x="1028700" y="1967266"/>
-            <a:ext cx="2628900" cy="2547257"/>
-          </a:xfrm>
-          <a:noFill/>
-        </p:spPr>
-        <p:txBody>
-          <a:bodyPr vert="horz" lIns="91440" tIns="45720" rIns="91440" bIns="45720" rtlCol="0" anchor="ctr">
-            <a:normAutofit/>
-          </a:bodyPr>
-          <a:lstStyle/>
-          <a:p>
-            <a:pPr algn="ctr"/>
-            <a:r>
-              <a:rPr lang="en-US" sz="3600" kern="1200">
-                <a:solidFill>
-                  <a:srgbClr val="FFFFFF"/>
-                </a:solidFill>
-                <a:latin typeface="+mj-lt"/>
-                <a:ea typeface="+mj-ea"/>
-                <a:cs typeface="+mj-cs"/>
-              </a:rPr>
-              <a:t>Project Timeline</a:t>
-            </a:r>
-          </a:p>
-        </p:txBody>
-      </p:sp>
-      <p:sp>
-        <p:nvSpPr>
-          <p:cNvPr id="5" name="Footer Placeholder 4">
-            <a:extLst>
-              <a:ext uri="{FF2B5EF4-FFF2-40B4-BE49-F238E27FC236}">
-                <a16:creationId xmlns:a16="http://schemas.microsoft.com/office/drawing/2014/main" id="{3555A49C-96F4-440D-B89E-A0AE94F70108}"/>
-              </a:ext>
-            </a:extLst>
-          </p:cNvPr>
-          <p:cNvSpPr>
-            <a:spLocks noGrp="1"/>
-          </p:cNvSpPr>
-          <p:nvPr>
-            <p:ph type="ftr" sz="quarter" idx="11"/>
-          </p:nvPr>
-        </p:nvSpPr>
-        <p:spPr>
-          <a:xfrm>
-            <a:off x="1028700" y="6356350"/>
-            <a:ext cx="6210300" cy="365125"/>
-          </a:xfrm>
-        </p:spPr>
-        <p:txBody>
-          <a:bodyPr vert="horz" lIns="91440" tIns="45720" rIns="91440" bIns="45720" rtlCol="0" anchor="ctr">
-            <a:normAutofit/>
-          </a:bodyPr>
-          <a:lstStyle/>
-          <a:p>
-            <a:pPr algn="l">
-              <a:spcAft>
-                <a:spcPts val="600"/>
-              </a:spcAft>
-            </a:pPr>
-            <a:r>
-              <a:rPr lang="en-US" sz="1200" kern="1200" dirty="0">
-                <a:solidFill>
-                  <a:schemeClr val="tx1">
-                    <a:alpha val="80000"/>
-                  </a:schemeClr>
-                </a:solidFill>
-                <a:latin typeface="+mn-lt"/>
-                <a:ea typeface="+mn-ea"/>
-                <a:cs typeface="+mn-cs"/>
-              </a:rPr>
-              <a:t>THE LIBRARIANS</a:t>
-            </a:r>
-          </a:p>
-        </p:txBody>
-      </p:sp>
-      <p:sp>
-        <p:nvSpPr>
-          <p:cNvPr id="6" name="Slide Number Placeholder 5">
-            <a:extLst>
-              <a:ext uri="{FF2B5EF4-FFF2-40B4-BE49-F238E27FC236}">
-                <a16:creationId xmlns:a16="http://schemas.microsoft.com/office/drawing/2014/main" id="{F2A39FA3-9AE3-4689-A469-B7D2DFCCC2D9}"/>
-              </a:ext>
-            </a:extLst>
-          </p:cNvPr>
-          <p:cNvSpPr>
-            <a:spLocks noGrp="1"/>
-          </p:cNvSpPr>
-          <p:nvPr>
-            <p:ph type="sldNum" sz="quarter" idx="12"/>
-          </p:nvPr>
-        </p:nvSpPr>
-        <p:spPr>
-          <a:xfrm>
-            <a:off x="11034184" y="6356350"/>
-            <a:ext cx="514349" cy="365125"/>
-          </a:xfrm>
-        </p:spPr>
-        <p:txBody>
-          <a:bodyPr vert="horz" lIns="91440" tIns="45720" rIns="91440" bIns="45720" rtlCol="0" anchor="ctr">
-            <a:normAutofit/>
-          </a:bodyPr>
-          <a:lstStyle/>
-          <a:p>
-            <a:pPr>
-              <a:spcAft>
-                <a:spcPts val="600"/>
-              </a:spcAft>
-            </a:pPr>
-            <a:fld id="{A49DFD55-3C28-40EF-9E31-A92D2E4017FF}" type="slidenum">
-              <a:rPr lang="en-US" sz="1200">
-                <a:solidFill>
-                  <a:schemeClr val="tx1">
-                    <a:alpha val="80000"/>
-                  </a:schemeClr>
-                </a:solidFill>
-              </a:rPr>
-              <a:pPr>
-                <a:spcAft>
-                  <a:spcPts val="600"/>
-                </a:spcAft>
-              </a:pPr>
-              <a:t>6</a:t>
-            </a:fld>
-            <a:endParaRPr lang="en-US" sz="1200">
-              <a:solidFill>
-                <a:schemeClr val="tx1">
-                  <a:alpha val="80000"/>
-                </a:schemeClr>
-              </a:solidFill>
-            </a:endParaRPr>
-          </a:p>
-        </p:txBody>
-      </p:sp>
-    </p:spTree>
-    <p:extLst>
-      <p:ext uri="{BB962C8B-B14F-4D97-AF65-F5344CB8AC3E}">
-        <p14:creationId xmlns:p14="http://schemas.microsoft.com/office/powerpoint/2010/main" val="3370836880"/>
       </p:ext>
     </p:extLst>
   </p:cSld>
@@ -12091,6 +11210,34 @@
 </file>
 
 <file path=customXml/item1.xml><?xml version="1.0" encoding="utf-8"?>
+<p:properties xmlns:p="http://schemas.microsoft.com/office/2006/metadata/properties" xmlns:xsi="http://www.w3.org/2001/XMLSchema-instance" xmlns:pc="http://schemas.microsoft.com/office/infopath/2007/PartnerControls">
+  <documentManagement>
+    <_ip_UnifiedCompliancePolicyUIAction xmlns="http://schemas.microsoft.com/sharepoint/v3" xsi:nil="true"/>
+    <Image xmlns="71af3243-3dd4-4a8d-8c0d-dd76da1f02a5">
+      <Url xsi:nil="true"/>
+      <Description xsi:nil="true"/>
+    </Image>
+    <Status xmlns="71af3243-3dd4-4a8d-8c0d-dd76da1f02a5">Not started</Status>
+    <_ip_UnifiedCompliancePolicyProperties xmlns="http://schemas.microsoft.com/sharepoint/v3" xsi:nil="true"/>
+    <ImageTagsTaxHTField xmlns="71af3243-3dd4-4a8d-8c0d-dd76da1f02a5">
+      <Terms xmlns="http://schemas.microsoft.com/office/infopath/2007/PartnerControls"/>
+    </ImageTagsTaxHTField>
+    <TaxCatchAll xmlns="230e9df3-be65-4c73-a93b-d1236ebd677e"/>
+    <MediaServiceKeyPoints xmlns="71af3243-3dd4-4a8d-8c0d-dd76da1f02a5" xsi:nil="true"/>
+  </documentManagement>
+</p:properties>
+</file>
+
+<file path=customXml/item2.xml><?xml version="1.0" encoding="utf-8"?>
+<?mso-contentType ?>
+<FormTemplates xmlns="http://schemas.microsoft.com/sharepoint/v3/contenttype/forms">
+  <Display>DocumentLibraryForm</Display>
+  <Edit>DocumentLibraryForm</Edit>
+  <New>DocumentLibraryForm</New>
+</FormTemplates>
+</file>
+
+<file path=customXml/item3.xml><?xml version="1.0" encoding="utf-8"?>
 <ct:contentTypeSchema xmlns:ct="http://schemas.microsoft.com/office/2006/metadata/contentType" xmlns:ma="http://schemas.microsoft.com/office/2006/metadata/properties/metaAttributes" ct:_="" ma:_="" ma:contentTypeName="Document" ma:contentTypeID="0x01010079F111ED35F8CC479449609E8A0923A6" ma:contentTypeVersion="20" ma:contentTypeDescription="Create a new document." ma:contentTypeScope="" ma:versionID="1267097ee5f5874adfcc408041ae252e">
   <xsd:schema xmlns:xsd="http://www.w3.org/2001/XMLSchema" xmlns:xs="http://www.w3.org/2001/XMLSchema" xmlns:p="http://schemas.microsoft.com/office/2006/metadata/properties" xmlns:ns1="http://schemas.microsoft.com/sharepoint/v3" xmlns:ns2="71af3243-3dd4-4a8d-8c0d-dd76da1f02a5" xmlns:ns3="16c05727-aa75-4e4a-9b5f-8a80a1165891" xmlns:ns4="230e9df3-be65-4c73-a93b-d1236ebd677e" targetNamespace="http://schemas.microsoft.com/office/2006/metadata/properties" ma:root="true" ma:fieldsID="395891a93df65b14727750f2c06c306c" ns1:_="" ns2:_="" ns3:_="" ns4:_="">
     <xsd:import namespace="http://schemas.microsoft.com/sharepoint/v3"/>
@@ -12366,35 +11513,27 @@
 </ct:contentTypeSchema>
 </file>
 
-<file path=customXml/item2.xml><?xml version="1.0" encoding="utf-8"?>
-<?mso-contentType ?>
-<FormTemplates xmlns="http://schemas.microsoft.com/sharepoint/v3/contenttype/forms">
-  <Display>DocumentLibraryForm</Display>
-  <Edit>DocumentLibraryForm</Edit>
-  <New>DocumentLibraryForm</New>
-</FormTemplates>
+<file path=customXml/itemProps1.xml><?xml version="1.0" encoding="utf-8"?>
+<ds:datastoreItem xmlns:ds="http://schemas.openxmlformats.org/officeDocument/2006/customXml" ds:itemID="{4CC7F809-A434-4A8D-A127-1C50C2DB3890}">
+  <ds:schemaRefs>
+    <ds:schemaRef ds:uri="http://schemas.microsoft.com/office/2006/metadata/properties"/>
+    <ds:schemaRef ds:uri="http://schemas.microsoft.com/office/infopath/2007/PartnerControls"/>
+    <ds:schemaRef ds:uri="http://schemas.microsoft.com/sharepoint/v3"/>
+    <ds:schemaRef ds:uri="71af3243-3dd4-4a8d-8c0d-dd76da1f02a5"/>
+    <ds:schemaRef ds:uri="230e9df3-be65-4c73-a93b-d1236ebd677e"/>
+  </ds:schemaRefs>
+</ds:datastoreItem>
 </file>
 
-<file path=customXml/item3.xml><?xml version="1.0" encoding="utf-8"?>
-<p:properties xmlns:p="http://schemas.microsoft.com/office/2006/metadata/properties" xmlns:xsi="http://www.w3.org/2001/XMLSchema-instance" xmlns:pc="http://schemas.microsoft.com/office/infopath/2007/PartnerControls">
-  <documentManagement>
-    <_ip_UnifiedCompliancePolicyUIAction xmlns="http://schemas.microsoft.com/sharepoint/v3" xsi:nil="true"/>
-    <Image xmlns="71af3243-3dd4-4a8d-8c0d-dd76da1f02a5">
-      <Url xsi:nil="true"/>
-      <Description xsi:nil="true"/>
-    </Image>
-    <Status xmlns="71af3243-3dd4-4a8d-8c0d-dd76da1f02a5">Not started</Status>
-    <_ip_UnifiedCompliancePolicyProperties xmlns="http://schemas.microsoft.com/sharepoint/v3" xsi:nil="true"/>
-    <ImageTagsTaxHTField xmlns="71af3243-3dd4-4a8d-8c0d-dd76da1f02a5">
-      <Terms xmlns="http://schemas.microsoft.com/office/infopath/2007/PartnerControls"/>
-    </ImageTagsTaxHTField>
-    <TaxCatchAll xmlns="230e9df3-be65-4c73-a93b-d1236ebd677e"/>
-    <MediaServiceKeyPoints xmlns="71af3243-3dd4-4a8d-8c0d-dd76da1f02a5" xsi:nil="true"/>
-  </documentManagement>
-</p:properties>
+<file path=customXml/itemProps2.xml><?xml version="1.0" encoding="utf-8"?>
+<ds:datastoreItem xmlns:ds="http://schemas.openxmlformats.org/officeDocument/2006/customXml" ds:itemID="{BD5826B4-4DD2-4A9B-8D6D-E91CF9C2316C}">
+  <ds:schemaRefs>
+    <ds:schemaRef ds:uri="http://schemas.microsoft.com/sharepoint/v3/contenttype/forms"/>
+  </ds:schemaRefs>
+</ds:datastoreItem>
 </file>
 
-<file path=customXml/itemProps1.xml><?xml version="1.0" encoding="utf-8"?>
+<file path=customXml/itemProps3.xml><?xml version="1.0" encoding="utf-8"?>
 <ds:datastoreItem xmlns:ds="http://schemas.openxmlformats.org/officeDocument/2006/customXml" ds:itemID="{4DC6F004-8F9D-4F40-8394-6C4C67F70915}">
   <ds:schemaRefs>
     <ds:schemaRef ds:uri="http://schemas.microsoft.com/office/2006/metadata/contentType"/>
@@ -12415,26 +11554,6 @@
 </ds:datastoreItem>
 </file>
 
-<file path=customXml/itemProps2.xml><?xml version="1.0" encoding="utf-8"?>
-<ds:datastoreItem xmlns:ds="http://schemas.openxmlformats.org/officeDocument/2006/customXml" ds:itemID="{BD5826B4-4DD2-4A9B-8D6D-E91CF9C2316C}">
-  <ds:schemaRefs>
-    <ds:schemaRef ds:uri="http://schemas.microsoft.com/sharepoint/v3/contenttype/forms"/>
-  </ds:schemaRefs>
-</ds:datastoreItem>
-</file>
-
-<file path=customXml/itemProps3.xml><?xml version="1.0" encoding="utf-8"?>
-<ds:datastoreItem xmlns:ds="http://schemas.openxmlformats.org/officeDocument/2006/customXml" ds:itemID="{4CC7F809-A434-4A8D-A127-1C50C2DB3890}">
-  <ds:schemaRefs>
-    <ds:schemaRef ds:uri="http://schemas.microsoft.com/office/2006/metadata/properties"/>
-    <ds:schemaRef ds:uri="http://schemas.microsoft.com/office/infopath/2007/PartnerControls"/>
-    <ds:schemaRef ds:uri="http://schemas.microsoft.com/sharepoint/v3"/>
-    <ds:schemaRef ds:uri="71af3243-3dd4-4a8d-8c0d-dd76da1f02a5"/>
-    <ds:schemaRef ds:uri="230e9df3-be65-4c73-a93b-d1236ebd677e"/>
-  </ds:schemaRefs>
-</ds:datastoreItem>
-</file>
-
 <file path=docMetadata/LabelInfo.xml><?xml version="1.0" encoding="utf-8"?>
 <clbl:labelList xmlns:clbl="http://schemas.microsoft.com/office/2020/mipLabelMetadata">
   <clbl:label id="{f42aa342-8706-4288-bd11-ebb85995028c}" enabled="1" method="Standard" siteId="{72f988bf-86f1-41af-91ab-2d7cd011db47}" removed="0"/>
